--- a/app/template.pptx
+++ b/app/template.pptx
@@ -217,7 +217,7 @@
           <a:p>
             <a:fld id="{1024C7FB-BA89-9341-BE9C-20C3733A2A8C}" type="datetimeFigureOut">
               <a:rPr lang="nl-NL" smtClean="0"/>
-              <a:t>03-11-2023</a:t>
+              <a:t>04-11-2023</a:t>
             </a:fld>
             <a:endParaRPr lang="nl-NL"/>
           </a:p>
@@ -383,7 +383,7 @@
             <a:fld id="{12A8C541-A0A2-854F-A6FB-7CE49443EEC1}" type="datetimeFigureOut">
               <a:rPr lang="nl-NL" smtClean="0"/>
               <a:pPr/>
-              <a:t>03-11-2023</a:t>
+              <a:t>04-11-2023</a:t>
             </a:fld>
             <a:endParaRPr lang="nl-NL"/>
           </a:p>
@@ -898,7 +898,7 @@
             <a:fld id="{B01F9CA3-105E-4857-9057-6DB6197DA786}" type="datetimeFigureOut">
               <a:rPr lang="en-US" smtClean="0"/>
               <a:pPr/>
-              <a:t>11/3/23</a:t>
+              <a:t>11/4/23</a:t>
             </a:fld>
             <a:endParaRPr lang="en-US"/>
           </a:p>
@@ -1157,7 +1157,7 @@
             <a:fld id="{B01F9CA3-105E-4857-9057-6DB6197DA786}" type="datetimeFigureOut">
               <a:rPr lang="en-US" smtClean="0"/>
               <a:pPr/>
-              <a:t>11/3/23</a:t>
+              <a:t>11/4/23</a:t>
             </a:fld>
             <a:endParaRPr lang="en-US"/>
           </a:p>
@@ -1466,7 +1466,7 @@
             <a:fld id="{B01F9CA3-105E-4857-9057-6DB6197DA786}" type="datetimeFigureOut">
               <a:rPr lang="en-US" smtClean="0"/>
               <a:pPr/>
-              <a:t>11/3/23</a:t>
+              <a:t>11/4/23</a:t>
             </a:fld>
             <a:endParaRPr lang="en-US"/>
           </a:p>
@@ -1677,7 +1677,7 @@
             <a:fld id="{B01F9CA3-105E-4857-9057-6DB6197DA786}" type="datetimeFigureOut">
               <a:rPr lang="en-US" smtClean="0"/>
               <a:pPr/>
-              <a:t>11/3/23</a:t>
+              <a:t>11/4/23</a:t>
             </a:fld>
             <a:endParaRPr lang="en-US"/>
           </a:p>
@@ -1938,7 +1938,7 @@
             <a:fld id="{B01F9CA3-105E-4857-9057-6DB6197DA786}" type="datetimeFigureOut">
               <a:rPr lang="en-US" smtClean="0"/>
               <a:pPr/>
-              <a:t>11/3/23</a:t>
+              <a:t>11/4/23</a:t>
             </a:fld>
             <a:endParaRPr lang="en-US"/>
           </a:p>
@@ -2212,7 +2212,7 @@
             <a:fld id="{B01F9CA3-105E-4857-9057-6DB6197DA786}" type="datetimeFigureOut">
               <a:rPr lang="en-US" smtClean="0"/>
               <a:pPr/>
-              <a:t>11/3/23</a:t>
+              <a:t>11/4/23</a:t>
             </a:fld>
             <a:endParaRPr lang="en-US"/>
           </a:p>
@@ -2400,11 +2400,7 @@
             <a:off x="0" y="2751227"/>
             <a:ext cx="9144000" cy="800219"/>
           </a:xfrm>
-          <a:solidFill>
-            <a:schemeClr val="bg1">
-              <a:alpha val="67000"/>
-            </a:schemeClr>
-          </a:solidFill>
+          <a:noFill/>
         </p:spPr>
         <p:txBody>
           <a:bodyPr anchor="ctr" anchorCtr="0">
@@ -2450,7 +2446,7 @@
             <a:fld id="{B01F9CA3-105E-4857-9057-6DB6197DA786}" type="datetimeFigureOut">
               <a:rPr lang="en-US" smtClean="0"/>
               <a:pPr/>
-              <a:t>11/3/23</a:t>
+              <a:t>11/4/23</a:t>
             </a:fld>
             <a:endParaRPr lang="en-US"/>
           </a:p>
@@ -2783,7 +2779,7 @@
             <a:fld id="{B01F9CA3-105E-4857-9057-6DB6197DA786}" type="datetimeFigureOut">
               <a:rPr lang="en-US" smtClean="0"/>
               <a:pPr/>
-              <a:t>11/3/23</a:t>
+              <a:t>11/4/23</a:t>
             </a:fld>
             <a:endParaRPr lang="en-US"/>
           </a:p>
@@ -3280,7 +3276,7 @@
             <a:fld id="{B01F9CA3-105E-4857-9057-6DB6197DA786}" type="datetimeFigureOut">
               <a:rPr lang="en-US" smtClean="0"/>
               <a:pPr/>
-              <a:t>11/3/23</a:t>
+              <a:t>11/4/23</a:t>
             </a:fld>
             <a:endParaRPr lang="en-US"/>
           </a:p>
@@ -3422,7 +3418,7 @@
             <a:fld id="{B01F9CA3-105E-4857-9057-6DB6197DA786}" type="datetimeFigureOut">
               <a:rPr lang="en-US" smtClean="0"/>
               <a:pPr/>
-              <a:t>11/3/23</a:t>
+              <a:t>11/4/23</a:t>
             </a:fld>
             <a:endParaRPr lang="en-US"/>
           </a:p>
@@ -3541,7 +3537,7 @@
             <a:fld id="{B01F9CA3-105E-4857-9057-6DB6197DA786}" type="datetimeFigureOut">
               <a:rPr lang="en-US" smtClean="0"/>
               <a:pPr/>
-              <a:t>11/3/23</a:t>
+              <a:t>11/4/23</a:t>
             </a:fld>
             <a:endParaRPr lang="en-US"/>
           </a:p>
@@ -3858,7 +3854,7 @@
             <a:fld id="{B01F9CA3-105E-4857-9057-6DB6197DA786}" type="datetimeFigureOut">
               <a:rPr lang="en-US" smtClean="0"/>
               <a:pPr/>
-              <a:t>11/3/23</a:t>
+              <a:t>11/4/23</a:t>
             </a:fld>
             <a:endParaRPr lang="en-US"/>
           </a:p>
